--- a/Agricultural & Horticultural Work Experience In Germany & Australia.pptx
+++ b/Agricultural & Horticultural Work Experience In Germany & Australia.pptx
@@ -200,7 +200,7 @@
           <a:p>
             <a:fld id="{90378C83-1812-45F6-AEAB-2C3CC14A58BA}" type="datetimeFigureOut">
               <a:rPr lang="en-US" smtClean="0"/>
-              <a:t>29/02/2020</a:t>
+              <a:t>11/21/2020</a:t>
             </a:fld>
             <a:endParaRPr lang="en-US"/>
           </a:p>
@@ -368,6 +368,11 @@
         </p:txBody>
       </p:sp>
     </p:spTree>
+    <p:extLst>
+      <p:ext uri="{BB962C8B-B14F-4D97-AF65-F5344CB8AC3E}">
+        <p14:creationId xmlns:p14="http://schemas.microsoft.com/office/powerpoint/2010/main" val="3532611548"/>
+      </p:ext>
+    </p:extLst>
   </p:cSld>
   <p:clrMap bg1="lt1" tx1="dk1" bg2="lt2" tx2="dk2" accent1="accent1" accent2="accent2" accent3="accent3" accent4="accent4" accent5="accent5" accent6="accent6" hlink="hlink" folHlink="folHlink"/>
   <p:notesStyle>
@@ -720,7 +725,7 @@
             <a:fld id="{5A0F302E-DD95-4C4F-9899-3B360BA8E33C}" type="datetimeFigureOut">
               <a:rPr lang="en-US" smtClean="0"/>
               <a:pPr/>
-              <a:t>29/02/2020</a:t>
+              <a:t>11/21/2020</a:t>
             </a:fld>
             <a:endParaRPr lang="en-US"/>
           </a:p>
@@ -887,7 +892,7 @@
             <a:fld id="{5A0F302E-DD95-4C4F-9899-3B360BA8E33C}" type="datetimeFigureOut">
               <a:rPr lang="en-US" smtClean="0"/>
               <a:pPr/>
-              <a:t>29/02/2020</a:t>
+              <a:t>11/21/2020</a:t>
             </a:fld>
             <a:endParaRPr lang="en-US"/>
           </a:p>
@@ -1064,7 +1069,7 @@
             <a:fld id="{5A0F302E-DD95-4C4F-9899-3B360BA8E33C}" type="datetimeFigureOut">
               <a:rPr lang="en-US" smtClean="0"/>
               <a:pPr/>
-              <a:t>29/02/2020</a:t>
+              <a:t>11/21/2020</a:t>
             </a:fld>
             <a:endParaRPr lang="en-US"/>
           </a:p>
@@ -1231,7 +1236,7 @@
             <a:fld id="{5A0F302E-DD95-4C4F-9899-3B360BA8E33C}" type="datetimeFigureOut">
               <a:rPr lang="en-US" smtClean="0"/>
               <a:pPr/>
-              <a:t>29/02/2020</a:t>
+              <a:t>11/21/2020</a:t>
             </a:fld>
             <a:endParaRPr lang="en-US"/>
           </a:p>
@@ -1475,7 +1480,7 @@
             <a:fld id="{5A0F302E-DD95-4C4F-9899-3B360BA8E33C}" type="datetimeFigureOut">
               <a:rPr lang="en-US" smtClean="0"/>
               <a:pPr/>
-              <a:t>29/02/2020</a:t>
+              <a:t>11/21/2020</a:t>
             </a:fld>
             <a:endParaRPr lang="en-US"/>
           </a:p>
@@ -1741,7 +1746,7 @@
             <a:fld id="{5A0F302E-DD95-4C4F-9899-3B360BA8E33C}" type="datetimeFigureOut">
               <a:rPr lang="en-US" smtClean="0"/>
               <a:pPr/>
-              <a:t>29/02/2020</a:t>
+              <a:t>11/21/2020</a:t>
             </a:fld>
             <a:endParaRPr lang="en-US"/>
           </a:p>
@@ -2121,7 +2126,7 @@
             <a:fld id="{5A0F302E-DD95-4C4F-9899-3B360BA8E33C}" type="datetimeFigureOut">
               <a:rPr lang="en-US" smtClean="0"/>
               <a:pPr/>
-              <a:t>29/02/2020</a:t>
+              <a:t>11/21/2020</a:t>
             </a:fld>
             <a:endParaRPr lang="en-US"/>
           </a:p>
@@ -2273,7 +2278,7 @@
             <a:fld id="{5A0F302E-DD95-4C4F-9899-3B360BA8E33C}" type="datetimeFigureOut">
               <a:rPr lang="en-US" smtClean="0"/>
               <a:pPr/>
-              <a:t>29/02/2020</a:t>
+              <a:t>11/21/2020</a:t>
             </a:fld>
             <a:endParaRPr lang="en-US"/>
           </a:p>
@@ -2365,7 +2370,7 @@
             <a:fld id="{5A0F302E-DD95-4C4F-9899-3B360BA8E33C}" type="datetimeFigureOut">
               <a:rPr lang="en-US" smtClean="0"/>
               <a:pPr/>
-              <a:t>29/02/2020</a:t>
+              <a:t>11/21/2020</a:t>
             </a:fld>
             <a:endParaRPr lang="en-US"/>
           </a:p>
@@ -2628,7 +2633,7 @@
             <a:fld id="{5A0F302E-DD95-4C4F-9899-3B360BA8E33C}" type="datetimeFigureOut">
               <a:rPr lang="en-US" smtClean="0"/>
               <a:pPr/>
-              <a:t>29/02/2020</a:t>
+              <a:t>11/21/2020</a:t>
             </a:fld>
             <a:endParaRPr lang="en-US"/>
           </a:p>
@@ -2918,7 +2923,7 @@
             <a:fld id="{5A0F302E-DD95-4C4F-9899-3B360BA8E33C}" type="datetimeFigureOut">
               <a:rPr lang="en-US" smtClean="0"/>
               <a:pPr/>
-              <a:t>29/02/2020</a:t>
+              <a:t>11/21/2020</a:t>
             </a:fld>
             <a:endParaRPr lang="en-US"/>
           </a:p>
@@ -3691,7 +3696,7 @@
             <a:fld id="{5A0F302E-DD95-4C4F-9899-3B360BA8E33C}" type="datetimeFigureOut">
               <a:rPr lang="en-US" smtClean="0"/>
               <a:pPr/>
-              <a:t>29/02/2020</a:t>
+              <a:t>11/21/2020</a:t>
             </a:fld>
             <a:endParaRPr lang="en-US"/>
           </a:p>
@@ -4967,7 +4972,12 @@
             <p:ph type="title"/>
           </p:nvPr>
         </p:nvSpPr>
-        <p:spPr/>
+        <p:spPr>
+          <a:xfrm>
+            <a:off x="457200" y="533400"/>
+            <a:ext cx="8229600" cy="1143000"/>
+          </a:xfrm>
+        </p:spPr>
         <p:txBody>
           <a:bodyPr>
             <a:normAutofit fontScale="90000"/>
@@ -5000,7 +5010,12 @@
             <p:ph idx="1"/>
           </p:nvPr>
         </p:nvSpPr>
-        <p:spPr/>
+        <p:spPr>
+          <a:xfrm>
+            <a:off x="457200" y="1676400"/>
+            <a:ext cx="8229600" cy="4389120"/>
+          </a:xfrm>
+        </p:spPr>
         <p:txBody>
           <a:bodyPr>
             <a:normAutofit fontScale="85000" lnSpcReduction="20000"/>
@@ -5274,8 +5289,8 @@
         </p:blipFill>
         <p:spPr bwMode="auto">
           <a:xfrm>
-            <a:off x="6334858" y="6172200"/>
-            <a:ext cx="2809142" cy="685800"/>
+            <a:off x="7391400" y="6019800"/>
+            <a:ext cx="1524000" cy="685800"/>
           </a:xfrm>
           <a:prstGeom prst="rect">
             <a:avLst/>
@@ -5325,7 +5340,12 @@
             <p:ph type="title"/>
           </p:nvPr>
         </p:nvSpPr>
-        <p:spPr/>
+        <p:spPr>
+          <a:xfrm>
+            <a:off x="609600" y="304800"/>
+            <a:ext cx="8229600" cy="1143000"/>
+          </a:xfrm>
+        </p:spPr>
         <p:txBody>
           <a:bodyPr/>
           <a:lstStyle/>
@@ -5344,7 +5364,12 @@
             <p:ph idx="1"/>
           </p:nvPr>
         </p:nvSpPr>
-        <p:spPr/>
+        <p:spPr>
+          <a:xfrm>
+            <a:off x="457200" y="1600200"/>
+            <a:ext cx="8229600" cy="4465320"/>
+          </a:xfrm>
+        </p:spPr>
         <p:txBody>
           <a:bodyPr>
             <a:normAutofit/>
@@ -5434,13 +5459,45 @@
                 </a:solidFill>
                 <a:latin typeface="Arial Narrow" pitchFamily="34" charset="0"/>
               </a:rPr>
-              <a:t> *Learn Foreign Language.</a:t>
-            </a:r>
-          </a:p>
-          <a:p>
-            <a:pPr>
-              <a:buNone/>
-            </a:pPr>
+              <a:t> *Learn Foreign Language</a:t>
+            </a:r>
+            <a:r>
+              <a:rPr lang="en-US" dirty="0" smtClean="0">
+                <a:solidFill>
+                  <a:srgbClr val="0070C0"/>
+                </a:solidFill>
+                <a:latin typeface="Arial Narrow" pitchFamily="34" charset="0"/>
+              </a:rPr>
+              <a:t>.</a:t>
+            </a:r>
+          </a:p>
+          <a:p>
+            <a:r>
+              <a:rPr lang="en-US" dirty="0" smtClean="0">
+                <a:solidFill>
+                  <a:srgbClr val="0070C0"/>
+                </a:solidFill>
+                <a:latin typeface="Arial Narrow" pitchFamily="34" charset="0"/>
+              </a:rPr>
+              <a:t>*100 % Fee </a:t>
+            </a:r>
+            <a:r>
+              <a:rPr lang="en-US" dirty="0" err="1" smtClean="0">
+                <a:solidFill>
+                  <a:srgbClr val="0070C0"/>
+                </a:solidFill>
+                <a:latin typeface="Arial Narrow" pitchFamily="34" charset="0"/>
+              </a:rPr>
+              <a:t>Cashback</a:t>
+            </a:r>
+            <a:endParaRPr lang="en-US" dirty="0">
+              <a:solidFill>
+                <a:srgbClr val="0070C0"/>
+              </a:solidFill>
+              <a:latin typeface="Arial Narrow" pitchFamily="34" charset="0"/>
+            </a:endParaRPr>
+          </a:p>
+          <a:p>
             <a:endParaRPr lang="en-US" dirty="0">
               <a:solidFill>
                 <a:srgbClr val="0070C0"/>
@@ -6405,25 +6462,7 @@
                 </a:solidFill>
                 <a:latin typeface="Agency FB" pitchFamily="34" charset="0"/>
               </a:rPr>
-              <a:t>A : Shop </a:t>
-            </a:r>
-            <a:r>
-              <a:rPr lang="en-US" dirty="0" smtClean="0">
-                <a:solidFill>
-                  <a:srgbClr val="FF0000"/>
-                </a:solidFill>
-                <a:latin typeface="Agency FB" pitchFamily="34" charset="0"/>
-              </a:rPr>
-              <a:t>No C</a:t>
-            </a:r>
-            <a:r>
-              <a:rPr lang="en-US" dirty="0" smtClean="0">
-                <a:solidFill>
-                  <a:srgbClr val="FF0000"/>
-                </a:solidFill>
-                <a:latin typeface="Agency FB" pitchFamily="34" charset="0"/>
-              </a:rPr>
-              <a:t>, Commercial </a:t>
+              <a:t>A : Shop No C, Commercial </a:t>
             </a:r>
             <a:r>
               <a:rPr lang="en-US" dirty="0" err="1" smtClean="0">
@@ -6530,16 +6569,7 @@
                 </a:solidFill>
                 <a:latin typeface="Agency FB" pitchFamily="34" charset="0"/>
               </a:rPr>
-              <a:t>      # </a:t>
-            </a:r>
-            <a:r>
-              <a:rPr lang="en-US" sz="2400" dirty="0" smtClean="0">
-                <a:solidFill>
-                  <a:srgbClr val="FF0000"/>
-                </a:solidFill>
-                <a:latin typeface="Agency FB" pitchFamily="34" charset="0"/>
-              </a:rPr>
-              <a:t>+91 20-48601029</a:t>
+              <a:t>      # +91 20-48601029</a:t>
             </a:r>
             <a:br>
               <a:rPr lang="en-US" sz="2400" dirty="0" smtClean="0">
@@ -6570,16 +6600,7 @@
                 </a:solidFill>
                 <a:latin typeface="Agency FB" pitchFamily="34" charset="0"/>
               </a:rPr>
-              <a:t>   # </a:t>
-            </a:r>
-            <a:r>
-              <a:rPr lang="en-US" sz="2400" dirty="0" smtClean="0">
-                <a:solidFill>
-                  <a:srgbClr val="FF0000"/>
-                </a:solidFill>
-                <a:latin typeface="Agency FB" pitchFamily="34" charset="0"/>
-              </a:rPr>
-              <a:t>+91 9922514719</a:t>
+              <a:t>   # +91 9922514719</a:t>
             </a:r>
           </a:p>
           <a:p>

--- a/Agricultural & Horticultural Work Experience In Germany & Australia.pptx
+++ b/Agricultural & Horticultural Work Experience In Germany & Australia.pptx
@@ -200,7 +200,7 @@
           <a:p>
             <a:fld id="{90378C83-1812-45F6-AEAB-2C3CC14A58BA}" type="datetimeFigureOut">
               <a:rPr lang="en-US" smtClean="0"/>
-              <a:t>11/21/2020</a:t>
+              <a:t>11/27/2020</a:t>
             </a:fld>
             <a:endParaRPr lang="en-US"/>
           </a:p>
@@ -725,7 +725,7 @@
             <a:fld id="{5A0F302E-DD95-4C4F-9899-3B360BA8E33C}" type="datetimeFigureOut">
               <a:rPr lang="en-US" smtClean="0"/>
               <a:pPr/>
-              <a:t>11/21/2020</a:t>
+              <a:t>11/27/2020</a:t>
             </a:fld>
             <a:endParaRPr lang="en-US"/>
           </a:p>
@@ -892,7 +892,7 @@
             <a:fld id="{5A0F302E-DD95-4C4F-9899-3B360BA8E33C}" type="datetimeFigureOut">
               <a:rPr lang="en-US" smtClean="0"/>
               <a:pPr/>
-              <a:t>11/21/2020</a:t>
+              <a:t>11/27/2020</a:t>
             </a:fld>
             <a:endParaRPr lang="en-US"/>
           </a:p>
@@ -1069,7 +1069,7 @@
             <a:fld id="{5A0F302E-DD95-4C4F-9899-3B360BA8E33C}" type="datetimeFigureOut">
               <a:rPr lang="en-US" smtClean="0"/>
               <a:pPr/>
-              <a:t>11/21/2020</a:t>
+              <a:t>11/27/2020</a:t>
             </a:fld>
             <a:endParaRPr lang="en-US"/>
           </a:p>
@@ -1236,7 +1236,7 @@
             <a:fld id="{5A0F302E-DD95-4C4F-9899-3B360BA8E33C}" type="datetimeFigureOut">
               <a:rPr lang="en-US" smtClean="0"/>
               <a:pPr/>
-              <a:t>11/21/2020</a:t>
+              <a:t>11/27/2020</a:t>
             </a:fld>
             <a:endParaRPr lang="en-US"/>
           </a:p>
@@ -1480,7 +1480,7 @@
             <a:fld id="{5A0F302E-DD95-4C4F-9899-3B360BA8E33C}" type="datetimeFigureOut">
               <a:rPr lang="en-US" smtClean="0"/>
               <a:pPr/>
-              <a:t>11/21/2020</a:t>
+              <a:t>11/27/2020</a:t>
             </a:fld>
             <a:endParaRPr lang="en-US"/>
           </a:p>
@@ -1746,7 +1746,7 @@
             <a:fld id="{5A0F302E-DD95-4C4F-9899-3B360BA8E33C}" type="datetimeFigureOut">
               <a:rPr lang="en-US" smtClean="0"/>
               <a:pPr/>
-              <a:t>11/21/2020</a:t>
+              <a:t>11/27/2020</a:t>
             </a:fld>
             <a:endParaRPr lang="en-US"/>
           </a:p>
@@ -2126,7 +2126,7 @@
             <a:fld id="{5A0F302E-DD95-4C4F-9899-3B360BA8E33C}" type="datetimeFigureOut">
               <a:rPr lang="en-US" smtClean="0"/>
               <a:pPr/>
-              <a:t>11/21/2020</a:t>
+              <a:t>11/27/2020</a:t>
             </a:fld>
             <a:endParaRPr lang="en-US"/>
           </a:p>
@@ -2278,7 +2278,7 @@
             <a:fld id="{5A0F302E-DD95-4C4F-9899-3B360BA8E33C}" type="datetimeFigureOut">
               <a:rPr lang="en-US" smtClean="0"/>
               <a:pPr/>
-              <a:t>11/21/2020</a:t>
+              <a:t>11/27/2020</a:t>
             </a:fld>
             <a:endParaRPr lang="en-US"/>
           </a:p>
@@ -2370,7 +2370,7 @@
             <a:fld id="{5A0F302E-DD95-4C4F-9899-3B360BA8E33C}" type="datetimeFigureOut">
               <a:rPr lang="en-US" smtClean="0"/>
               <a:pPr/>
-              <a:t>11/21/2020</a:t>
+              <a:t>11/27/2020</a:t>
             </a:fld>
             <a:endParaRPr lang="en-US"/>
           </a:p>
@@ -2633,7 +2633,7 @@
             <a:fld id="{5A0F302E-DD95-4C4F-9899-3B360BA8E33C}" type="datetimeFigureOut">
               <a:rPr lang="en-US" smtClean="0"/>
               <a:pPr/>
-              <a:t>11/21/2020</a:t>
+              <a:t>11/27/2020</a:t>
             </a:fld>
             <a:endParaRPr lang="en-US"/>
           </a:p>
@@ -2923,7 +2923,7 @@
             <a:fld id="{5A0F302E-DD95-4C4F-9899-3B360BA8E33C}" type="datetimeFigureOut">
               <a:rPr lang="en-US" smtClean="0"/>
               <a:pPr/>
-              <a:t>11/21/2020</a:t>
+              <a:t>11/27/2020</a:t>
             </a:fld>
             <a:endParaRPr lang="en-US"/>
           </a:p>
@@ -3696,7 +3696,7 @@
             <a:fld id="{5A0F302E-DD95-4C4F-9899-3B360BA8E33C}" type="datetimeFigureOut">
               <a:rPr lang="en-US" smtClean="0"/>
               <a:pPr/>
-              <a:t>11/21/2020</a:t>
+              <a:t>11/27/2020</a:t>
             </a:fld>
             <a:endParaRPr lang="en-US"/>
           </a:p>
@@ -5459,16 +5459,7 @@
                 </a:solidFill>
                 <a:latin typeface="Arial Narrow" pitchFamily="34" charset="0"/>
               </a:rPr>
-              <a:t> *Learn Foreign Language</a:t>
-            </a:r>
-            <a:r>
-              <a:rPr lang="en-US" dirty="0" smtClean="0">
-                <a:solidFill>
-                  <a:srgbClr val="0070C0"/>
-                </a:solidFill>
-                <a:latin typeface="Arial Narrow" pitchFamily="34" charset="0"/>
-              </a:rPr>
-              <a:t>.</a:t>
+              <a:t> *Learn Foreign Language.</a:t>
             </a:r>
           </a:p>
           <a:p>
